--- a/data/r-reporters-powerpoint.pptx
+++ b/data/r-reporters-powerpoint.pptx
@@ -5,17 +5,17 @@
     <p:sldMasterId id="2147483648" r:id="rId1"/>
   </p:sldMasterIdLst>
   <p:sldIdLst>
-    <p:sldId id="823121204" r:id="rId6"/>
-    <p:sldId id="1994536039" r:id="rId7"/>
-    <p:sldId id="1785521477" r:id="rId8"/>
-    <p:sldId id="1649291548" r:id="rId9"/>
-    <p:sldId id="90387381" r:id="rId10"/>
-    <p:sldId id="1047569785" r:id="rId11"/>
-    <p:sldId id="372883181" r:id="rId12"/>
-    <p:sldId id="1987352672" r:id="rId13"/>
-    <p:sldId id="1421543426" r:id="rId14"/>
-    <p:sldId id="505238130" r:id="rId15"/>
-    <p:sldId id="1355381484" r:id="rId16"/>
+    <p:sldId id="1373507431" r:id="rId6"/>
+    <p:sldId id="725063415" r:id="rId7"/>
+    <p:sldId id="394602760" r:id="rId8"/>
+    <p:sldId id="546996197" r:id="rId9"/>
+    <p:sldId id="1746459670" r:id="rId10"/>
+    <p:sldId id="724161508" r:id="rId11"/>
+    <p:sldId id="1017531134" r:id="rId12"/>
+    <p:sldId id="382938916" r:id="rId13"/>
+    <p:sldId id="904240628" r:id="rId14"/>
+    <p:sldId id="1138592626" r:id="rId15"/>
+    <p:sldId id="521534855" r:id="rId16"/>
   </p:sldIdLst>
   <p:sldSz cx="12192000" cy="6858000"/>
   <p:notesSz cx="6858000" cy="9144000"/>
@@ -3072,7 +3072,7 @@
           <a:p>
             <a:r>
               <a:rPr/>
-              <a:t>2016-08-22</a:t>
+              <a:t>2016-09-19</a:t>
             </a:r>
           </a:p>
         </p:txBody>
@@ -7649,8 +7649,8 @@
           </p:nvSpPr>
           <p:spPr>
             <a:xfrm>
-              <a:off x="5185008" y="2068381"/>
-              <a:ext cx="2157263" cy="161131"/>
+              <a:off x="5168154" y="2068381"/>
+              <a:ext cx="2190971" cy="161131"/>
             </a:xfrm>
             <a:prstGeom prst="rect">
               <a:avLst/>
@@ -12355,8 +12355,8 @@
           </p:nvSpPr>
           <p:spPr>
             <a:xfrm>
-              <a:off x="7032167" y="1230181"/>
-              <a:ext cx="2809521" cy="161131"/>
+              <a:off x="7010217" y="1230181"/>
+              <a:ext cx="2853421" cy="161131"/>
             </a:xfrm>
             <a:prstGeom prst="rect">
               <a:avLst/>
@@ -19142,8 +19142,8 @@
           </p:nvSpPr>
           <p:spPr>
             <a:xfrm>
-              <a:off x="2191879" y="2068381"/>
-              <a:ext cx="2809521" cy="161131"/>
+              <a:off x="2169929" y="2068381"/>
+              <a:ext cx="2853421" cy="161131"/>
             </a:xfrm>
             <a:prstGeom prst="rect">
               <a:avLst/>
